--- a/PRESENTATION.pptx
+++ b/PRESENTATION.pptx
@@ -7095,7 +7095,23 @@
                 <a:ea typeface="Helvetica Neue" panose="02000503000000020004" pitchFamily="2" charset="0"/>
                 <a:cs typeface="Helvetica Neue" panose="02000503000000020004" pitchFamily="2" charset="0"/>
               </a:rPr>
-              <a:t>was</a:t>
+              <a:t>has</a:t>
+            </a:r>
+            <a:r>
+              <a:rPr lang="it-IT" sz="1200" dirty="0">
+                <a:latin typeface="Helvetica Neue" panose="02000503000000020004" pitchFamily="2" charset="0"/>
+                <a:ea typeface="Helvetica Neue" panose="02000503000000020004" pitchFamily="2" charset="0"/>
+                <a:cs typeface="Helvetica Neue" panose="02000503000000020004" pitchFamily="2" charset="0"/>
+              </a:rPr>
+              <a:t> </a:t>
+            </a:r>
+            <a:r>
+              <a:rPr lang="it-IT" sz="1200" dirty="0" err="1">
+                <a:latin typeface="Helvetica Neue" panose="02000503000000020004" pitchFamily="2" charset="0"/>
+                <a:ea typeface="Helvetica Neue" panose="02000503000000020004" pitchFamily="2" charset="0"/>
+                <a:cs typeface="Helvetica Neue" panose="02000503000000020004" pitchFamily="2" charset="0"/>
+              </a:rPr>
+              <a:t>been</a:t>
             </a:r>
             <a:r>
               <a:rPr lang="it-IT" sz="1200" dirty="0">
